--- a/img/study1_image_edit.pptx
+++ b/img/study1_image_edit.pptx
@@ -245,7 +245,7 @@
           <a:p>
             <a:fld id="{BF446B16-416C-AC4A-83E1-B1EEFDFC1AFE}" type="datetimeFigureOut">
               <a:rPr lang="en-US" smtClean="0"/>
-              <a:t>6/29/17</a:t>
+              <a:t>8/27/17</a:t>
             </a:fld>
             <a:endParaRPr lang="en-US"/>
           </a:p>
@@ -415,7 +415,7 @@
           <a:p>
             <a:fld id="{BF446B16-416C-AC4A-83E1-B1EEFDFC1AFE}" type="datetimeFigureOut">
               <a:rPr lang="en-US" smtClean="0"/>
-              <a:t>6/29/17</a:t>
+              <a:t>8/27/17</a:t>
             </a:fld>
             <a:endParaRPr lang="en-US"/>
           </a:p>
@@ -595,7 +595,7 @@
           <a:p>
             <a:fld id="{BF446B16-416C-AC4A-83E1-B1EEFDFC1AFE}" type="datetimeFigureOut">
               <a:rPr lang="en-US" smtClean="0"/>
-              <a:t>6/29/17</a:t>
+              <a:t>8/27/17</a:t>
             </a:fld>
             <a:endParaRPr lang="en-US"/>
           </a:p>
@@ -765,7 +765,7 @@
           <a:p>
             <a:fld id="{BF446B16-416C-AC4A-83E1-B1EEFDFC1AFE}" type="datetimeFigureOut">
               <a:rPr lang="en-US" smtClean="0"/>
-              <a:t>6/29/17</a:t>
+              <a:t>8/27/17</a:t>
             </a:fld>
             <a:endParaRPr lang="en-US"/>
           </a:p>
@@ -1011,7 +1011,7 @@
           <a:p>
             <a:fld id="{BF446B16-416C-AC4A-83E1-B1EEFDFC1AFE}" type="datetimeFigureOut">
               <a:rPr lang="en-US" smtClean="0"/>
-              <a:t>6/29/17</a:t>
+              <a:t>8/27/17</a:t>
             </a:fld>
             <a:endParaRPr lang="en-US"/>
           </a:p>
@@ -1243,7 +1243,7 @@
           <a:p>
             <a:fld id="{BF446B16-416C-AC4A-83E1-B1EEFDFC1AFE}" type="datetimeFigureOut">
               <a:rPr lang="en-US" smtClean="0"/>
-              <a:t>6/29/17</a:t>
+              <a:t>8/27/17</a:t>
             </a:fld>
             <a:endParaRPr lang="en-US"/>
           </a:p>
@@ -1610,7 +1610,7 @@
           <a:p>
             <a:fld id="{BF446B16-416C-AC4A-83E1-B1EEFDFC1AFE}" type="datetimeFigureOut">
               <a:rPr lang="en-US" smtClean="0"/>
-              <a:t>6/29/17</a:t>
+              <a:t>8/27/17</a:t>
             </a:fld>
             <a:endParaRPr lang="en-US"/>
           </a:p>
@@ -1728,7 +1728,7 @@
           <a:p>
             <a:fld id="{BF446B16-416C-AC4A-83E1-B1EEFDFC1AFE}" type="datetimeFigureOut">
               <a:rPr lang="en-US" smtClean="0"/>
-              <a:t>6/29/17</a:t>
+              <a:t>8/27/17</a:t>
             </a:fld>
             <a:endParaRPr lang="en-US"/>
           </a:p>
@@ -1823,7 +1823,7 @@
           <a:p>
             <a:fld id="{BF446B16-416C-AC4A-83E1-B1EEFDFC1AFE}" type="datetimeFigureOut">
               <a:rPr lang="en-US" smtClean="0"/>
-              <a:t>6/29/17</a:t>
+              <a:t>8/27/17</a:t>
             </a:fld>
             <a:endParaRPr lang="en-US"/>
           </a:p>
@@ -2100,7 +2100,7 @@
           <a:p>
             <a:fld id="{BF446B16-416C-AC4A-83E1-B1EEFDFC1AFE}" type="datetimeFigureOut">
               <a:rPr lang="en-US" smtClean="0"/>
-              <a:t>6/29/17</a:t>
+              <a:t>8/27/17</a:t>
             </a:fld>
             <a:endParaRPr lang="en-US"/>
           </a:p>
@@ -2353,7 +2353,7 @@
           <a:p>
             <a:fld id="{BF446B16-416C-AC4A-83E1-B1EEFDFC1AFE}" type="datetimeFigureOut">
               <a:rPr lang="en-US" smtClean="0"/>
-              <a:t>6/29/17</a:t>
+              <a:t>8/27/17</a:t>
             </a:fld>
             <a:endParaRPr lang="en-US"/>
           </a:p>
@@ -2566,7 +2566,7 @@
           <a:p>
             <a:fld id="{BF446B16-416C-AC4A-83E1-B1EEFDFC1AFE}" type="datetimeFigureOut">
               <a:rPr lang="en-US" smtClean="0"/>
-              <a:t>6/29/17</a:t>
+              <a:t>8/27/17</a:t>
             </a:fld>
             <a:endParaRPr lang="en-US"/>
           </a:p>
@@ -3192,12 +3192,60 @@
         </p:nvGrpSpPr>
         <p:grpSpPr>
           <a:xfrm>
-            <a:off x="168812" y="717452"/>
+            <a:off x="226686" y="578555"/>
             <a:ext cx="11685137" cy="4095081"/>
             <a:chOff x="168812" y="717452"/>
             <a:chExt cx="11685137" cy="4095081"/>
           </a:xfrm>
         </p:grpSpPr>
+        <p:sp>
+          <p:nvSpPr>
+            <p:cNvPr id="8" name="Rectangle 7"/>
+            <p:cNvSpPr/>
+            <p:nvPr/>
+          </p:nvSpPr>
+          <p:spPr>
+            <a:xfrm>
+              <a:off x="168812" y="717452"/>
+              <a:ext cx="11479237" cy="4095081"/>
+            </a:xfrm>
+            <a:prstGeom prst="rect">
+              <a:avLst/>
+            </a:prstGeom>
+            <a:solidFill>
+              <a:schemeClr val="bg1"/>
+            </a:solidFill>
+            <a:ln>
+              <a:solidFill>
+                <a:schemeClr val="bg2"/>
+              </a:solidFill>
+            </a:ln>
+          </p:spPr>
+          <p:style>
+            <a:lnRef idx="2">
+              <a:schemeClr val="accent1">
+                <a:shade val="50000"/>
+              </a:schemeClr>
+            </a:lnRef>
+            <a:fillRef idx="1">
+              <a:schemeClr val="accent1"/>
+            </a:fillRef>
+            <a:effectRef idx="0">
+              <a:schemeClr val="accent1"/>
+            </a:effectRef>
+            <a:fontRef idx="minor">
+              <a:schemeClr val="lt1"/>
+            </a:fontRef>
+          </p:style>
+          <p:txBody>
+            <a:bodyPr rtlCol="0" anchor="ctr"/>
+            <a:lstStyle/>
+            <a:p>
+              <a:pPr algn="ctr"/>
+              <a:endParaRPr lang="en-US"/>
+            </a:p>
+          </p:txBody>
+        </p:sp>
         <p:pic>
           <p:nvPicPr>
             <p:cNvPr id="4" name="Picture 3"/>
@@ -3318,52 +3366,6 @@
             </a:p>
           </p:txBody>
         </p:sp>
-        <p:sp>
-          <p:nvSpPr>
-            <p:cNvPr id="8" name="Rectangle 7"/>
-            <p:cNvSpPr/>
-            <p:nvPr/>
-          </p:nvSpPr>
-          <p:spPr>
-            <a:xfrm>
-              <a:off x="168812" y="717452"/>
-              <a:ext cx="11479237" cy="4095081"/>
-            </a:xfrm>
-            <a:prstGeom prst="rect">
-              <a:avLst/>
-            </a:prstGeom>
-            <a:noFill/>
-            <a:ln>
-              <a:solidFill>
-                <a:schemeClr val="bg2"/>
-              </a:solidFill>
-            </a:ln>
-          </p:spPr>
-          <p:style>
-            <a:lnRef idx="2">
-              <a:schemeClr val="accent1">
-                <a:shade val="50000"/>
-              </a:schemeClr>
-            </a:lnRef>
-            <a:fillRef idx="1">
-              <a:schemeClr val="accent1"/>
-            </a:fillRef>
-            <a:effectRef idx="0">
-              <a:schemeClr val="accent1"/>
-            </a:effectRef>
-            <a:fontRef idx="minor">
-              <a:schemeClr val="lt1"/>
-            </a:fontRef>
-          </p:style>
-          <p:txBody>
-            <a:bodyPr rtlCol="0" anchor="ctr"/>
-            <a:lstStyle/>
-            <a:p>
-              <a:pPr algn="ctr"/>
-              <a:endParaRPr lang="en-US"/>
-            </a:p>
-          </p:txBody>
-        </p:sp>
       </p:grpSp>
     </p:spTree>
     <p:extLst>
@@ -3423,6 +3425,54 @@
               <a:chExt cx="9790642" cy="4095081"/>
             </a:xfrm>
           </p:grpSpPr>
+          <p:sp>
+            <p:nvSpPr>
+              <p:cNvPr id="9" name="Rectangle 8"/>
+              <p:cNvSpPr/>
+              <p:nvPr/>
+            </p:nvSpPr>
+            <p:spPr>
+              <a:xfrm>
+                <a:off x="417661" y="1203061"/>
+                <a:ext cx="9790642" cy="4095081"/>
+              </a:xfrm>
+              <a:prstGeom prst="rect">
+                <a:avLst/>
+              </a:prstGeom>
+              <a:solidFill>
+                <a:schemeClr val="bg1"/>
+              </a:solidFill>
+              <a:ln>
+                <a:solidFill>
+                  <a:schemeClr val="bg2"/>
+                </a:solidFill>
+              </a:ln>
+            </p:spPr>
+            <p:style>
+              <a:lnRef idx="2">
+                <a:schemeClr val="accent1">
+                  <a:shade val="50000"/>
+                </a:schemeClr>
+              </a:lnRef>
+              <a:fillRef idx="1">
+                <a:schemeClr val="accent1"/>
+              </a:fillRef>
+              <a:effectRef idx="0">
+                <a:schemeClr val="accent1"/>
+              </a:effectRef>
+              <a:fontRef idx="minor">
+                <a:schemeClr val="lt1"/>
+              </a:fontRef>
+            </p:style>
+            <p:txBody>
+              <a:bodyPr rtlCol="0" anchor="ctr"/>
+              <a:lstStyle/>
+              <a:p>
+                <a:pPr algn="ctr"/>
+                <a:endParaRPr lang="en-US"/>
+              </a:p>
+            </p:txBody>
+          </p:sp>
           <p:pic>
             <p:nvPicPr>
               <p:cNvPr id="6" name="Picture 5"/>
@@ -3509,52 +3559,6 @@
                   <a:t>b</a:t>
                 </a:r>
                 <a:endParaRPr lang="en-US" dirty="0"/>
-              </a:p>
-            </p:txBody>
-          </p:sp>
-          <p:sp>
-            <p:nvSpPr>
-              <p:cNvPr id="9" name="Rectangle 8"/>
-              <p:cNvSpPr/>
-              <p:nvPr/>
-            </p:nvSpPr>
-            <p:spPr>
-              <a:xfrm>
-                <a:off x="417661" y="1203061"/>
-                <a:ext cx="9790642" cy="4095081"/>
-              </a:xfrm>
-              <a:prstGeom prst="rect">
-                <a:avLst/>
-              </a:prstGeom>
-              <a:noFill/>
-              <a:ln>
-                <a:solidFill>
-                  <a:schemeClr val="bg2"/>
-                </a:solidFill>
-              </a:ln>
-            </p:spPr>
-            <p:style>
-              <a:lnRef idx="2">
-                <a:schemeClr val="accent1">
-                  <a:shade val="50000"/>
-                </a:schemeClr>
-              </a:lnRef>
-              <a:fillRef idx="1">
-                <a:schemeClr val="accent1"/>
-              </a:fillRef>
-              <a:effectRef idx="0">
-                <a:schemeClr val="accent1"/>
-              </a:effectRef>
-              <a:fontRef idx="minor">
-                <a:schemeClr val="lt1"/>
-              </a:fontRef>
-            </p:style>
-            <p:txBody>
-              <a:bodyPr rtlCol="0" anchor="ctr"/>
-              <a:lstStyle/>
-              <a:p>
-                <a:pPr algn="ctr"/>
-                <a:endParaRPr lang="en-US"/>
               </a:p>
             </p:txBody>
           </p:sp>
